--- a/docs/index.pptx
+++ b/docs/index.pptx
@@ -26,6 +26,7 @@
     <p:sldId id="274" r:id="rId20"/>
     <p:sldId id="275" r:id="rId21"/>
     <p:sldId id="276" r:id="rId22"/>
+    <p:sldId id="277" r:id="rId23"/>
   </p:sldIdLst>
   <p:sldSz cx="9144000" cy="5143500" type="screen16x9"/>
   <p:notesSz cx="6858000" cy="9144000"/>
@@ -3837,7 +3838,7 @@
             </a:pPr>
             <a:r>
               <a:rPr/>
-              <a:t>Demonstration</a:t>
+              <a:t>Temporary shells</a:t>
             </a:r>
           </a:p>
         </p:txBody>
@@ -3860,98 +3861,39 @@
             <a:pPr lvl="0"/>
             <a:r>
               <a:rPr/>
-              <a:t>Basics: </a:t>
-            </a:r>
-            <a:r>
-              <a:rPr>
-                <a:latin typeface="Courier"/>
-              </a:rPr>
-              <a:t>scripts/nix_expressions/01_rix_intro/</a:t>
-            </a:r>
-          </a:p>
-          <a:p>
-            <a:pPr lvl="0"/>
-            <a:r>
-              <a:rPr/>
-              <a:t>Native VS Code/Positron on Windows: </a:t>
-            </a:r>
-            <a:r>
-              <a:rPr>
-                <a:latin typeface="Courier"/>
-              </a:rPr>
-              <a:t>scripts/nix_expressions/02_native_vscode_example/</a:t>
-            </a:r>
-          </a:p>
-          <a:p>
-            <a:pPr lvl="0"/>
-            <a:r>
-              <a:rPr/>
-              <a:t>Nix and </a:t>
-            </a:r>
-            <a:r>
-              <a:rPr>
-                <a:latin typeface="Courier"/>
-              </a:rPr>
-              <a:t>{targets}</a:t>
-            </a:r>
-            <a:r>
-              <a:rPr/>
-              <a:t>: </a:t>
-            </a:r>
-            <a:r>
-              <a:rPr>
-                <a:latin typeface="Courier"/>
-              </a:rPr>
-              <a:t>scripts/nix_expressions/03_nix_targets_pipeline</a:t>
-            </a:r>
-          </a:p>
-          <a:p>
-            <a:pPr lvl="0"/>
-            <a:r>
-              <a:rPr/>
-              <a:t>Nix and Docker: </a:t>
-            </a:r>
-            <a:r>
-              <a:rPr>
-                <a:latin typeface="Courier"/>
-              </a:rPr>
-              <a:t>scripts/nix_expressions/04_docker/</a:t>
-            </a:r>
-          </a:p>
-          <a:p>
-            <a:pPr lvl="0"/>
-            <a:r>
-              <a:rPr/>
-              <a:t>Nix and </a:t>
-            </a:r>
-            <a:r>
-              <a:rPr>
-                <a:latin typeface="Courier"/>
-              </a:rPr>
-              <a:t>{shiny}</a:t>
-            </a:r>
-            <a:r>
-              <a:rPr/>
-              <a:t>: </a:t>
-            </a:r>
-            <a:r>
-              <a:rPr>
-                <a:latin typeface="Courier"/>
-              </a:rPr>
-              <a:t>scripts/nix_expressions/05_shiny</a:t>
-            </a:r>
-          </a:p>
-          <a:p>
-            <a:pPr lvl="0"/>
-            <a:r>
-              <a:rPr/>
-              <a:t>GitHub Actions: </a:t>
-            </a:r>
-            <a:r>
-              <a:rPr>
-                <a:hlinkClick r:id="rId2"/>
-              </a:rPr>
-              <a:t>see here</a:t>
+              <a:t>Test tools, or bootstrap an environment using</a:t>
+            </a:r>
+          </a:p>
+          <a:p>
+            <a:pPr lvl="0" indent="0">
+              <a:buNone/>
+            </a:pPr>
+            <a:r>
+              <a:rPr>
+                <a:solidFill>
+                  <a:srgbClr val="003B4F"/>
+                </a:solidFill>
+                <a:latin typeface="Courier"/>
+              </a:rPr>
+              <a:t>nix-shell </a:t>
+            </a:r>
+            <a:r>
+              <a:rPr>
+                <a:solidFill>
+                  <a:srgbClr val="657422"/>
+                </a:solidFill>
+                <a:latin typeface="Courier"/>
+              </a:rPr>
+              <a:t>-p</a:t>
+            </a:r>
+            <a:r>
+              <a:rPr>
+                <a:solidFill>
+                  <a:srgbClr val="003B4F"/>
+                </a:solidFill>
+                <a:latin typeface="Courier"/>
+              </a:rPr>
+              <a:t> R rPackages.rix</a:t>
             </a:r>
           </a:p>
         </p:txBody>
@@ -3998,13 +3940,7 @@
             </a:pPr>
             <a:r>
               <a:rPr/>
-              <a:t>Polyglot pipelines with </a:t>
-            </a:r>
-            <a:r>
-              <a:rPr>
-                <a:latin typeface="Courier"/>
-              </a:rPr>
-              <a:t>{rixpress}</a:t>
+              <a:t>Demonstration</a:t>
             </a:r>
           </a:p>
         </p:txBody>
@@ -4026,67 +3962,99 @@
           <a:p>
             <a:pPr lvl="0"/>
             <a:r>
-              <a:rPr>
-                <a:latin typeface="Courier"/>
-              </a:rPr>
-              <a:t>{rixpress}</a:t>
-            </a:r>
-            <a:r>
-              <a:rPr/>
-              <a:t> lets you chain processing steps in both R </a:t>
-            </a:r>
-            <a:r>
-              <a:rPr b="1"/>
-              <a:t>and</a:t>
-            </a:r>
-            <a:r>
-              <a:rPr/>
-              <a:t> Python</a:t>
+              <a:rPr/>
+              <a:t>Basics: </a:t>
+            </a:r>
+            <a:r>
+              <a:rPr>
+                <a:latin typeface="Courier"/>
+              </a:rPr>
+              <a:t>scripts/nix_expressions/01_rix_intro/</a:t>
             </a:r>
           </a:p>
           <a:p>
             <a:pPr lvl="0"/>
             <a:r>
               <a:rPr/>
-              <a:t>Uses </a:t>
-            </a:r>
-            <a:r>
-              <a:rPr>
-                <a:latin typeface="Courier"/>
-              </a:rPr>
-              <a:t>{rix}</a:t>
-            </a:r>
-            <a:r>
-              <a:rPr/>
-              <a:t> to create a reproducible (Nix-based) execution environment for the pipeline</a:t>
+              <a:t>Native VS Code/Positron on Windows: </a:t>
+            </a:r>
+            <a:r>
+              <a:rPr>
+                <a:latin typeface="Courier"/>
+              </a:rPr>
+              <a:t>scripts/nix_expressions/02_native_vscode_example/</a:t>
             </a:r>
           </a:p>
           <a:p>
             <a:pPr lvl="0"/>
             <a:r>
               <a:rPr/>
-              <a:t>Each pipeline step is a </a:t>
-            </a:r>
-            <a:r>
-              <a:rPr b="1"/>
-              <a:t>Nix derivation</a:t>
+              <a:t>Nix and </a:t>
+            </a:r>
+            <a:r>
+              <a:rPr>
+                <a:latin typeface="Courier"/>
+              </a:rPr>
+              <a:t>{targets}</a:t>
+            </a:r>
+            <a:r>
+              <a:rPr/>
+              <a:t>: </a:t>
+            </a:r>
+            <a:r>
+              <a:rPr>
+                <a:latin typeface="Courier"/>
+              </a:rPr>
+              <a:t>scripts/nix_expressions/03_nix_targets_pipeline</a:t>
             </a:r>
           </a:p>
           <a:p>
             <a:pPr lvl="0"/>
             <a:r>
               <a:rPr/>
-              <a:t>Data transfer: automatic via </a:t>
-            </a:r>
-            <a:r>
-              <a:rPr>
-                <a:latin typeface="Courier"/>
-              </a:rPr>
-              <a:t>reticulate</a:t>
-            </a:r>
-            <a:r>
-              <a:rPr/>
-              <a:t> or universal formats (JSON)</a:t>
+              <a:t>Nix and Docker: </a:t>
+            </a:r>
+            <a:r>
+              <a:rPr>
+                <a:latin typeface="Courier"/>
+              </a:rPr>
+              <a:t>scripts/nix_expressions/04_docker/</a:t>
+            </a:r>
+          </a:p>
+          <a:p>
+            <a:pPr lvl="0"/>
+            <a:r>
+              <a:rPr/>
+              <a:t>Nix and </a:t>
+            </a:r>
+            <a:r>
+              <a:rPr>
+                <a:latin typeface="Courier"/>
+              </a:rPr>
+              <a:t>{shiny}</a:t>
+            </a:r>
+            <a:r>
+              <a:rPr/>
+              <a:t>: </a:t>
+            </a:r>
+            <a:r>
+              <a:rPr>
+                <a:latin typeface="Courier"/>
+              </a:rPr>
+              <a:t>scripts/nix_expressions/05_shiny</a:t>
+            </a:r>
+          </a:p>
+          <a:p>
+            <a:pPr lvl="0"/>
+            <a:r>
+              <a:rPr/>
+              <a:t>GitHub Actions: </a:t>
+            </a:r>
+            <a:r>
+              <a:rPr>
+                <a:hlinkClick r:id="rId2"/>
+              </a:rPr>
+              <a:t>see here</a:t>
             </a:r>
           </a:p>
         </p:txBody>
@@ -4133,7 +4101,13 @@
             </a:pPr>
             <a:r>
               <a:rPr/>
-              <a:t>An example mixed pipeline</a:t>
+              <a:t>Polyglot pipelines with </a:t>
+            </a:r>
+            <a:r>
+              <a:rPr>
+                <a:latin typeface="Courier"/>
+              </a:rPr>
+              <a:t>{rixpress}</a:t>
             </a:r>
           </a:p>
         </p:txBody>
@@ -4153,422 +4127,69 @@
           <a:bodyPr/>
           <a:lstStyle/>
           <a:p>
-            <a:pPr lvl="0" indent="0">
-              <a:buNone/>
-            </a:pPr>
-            <a:r>
-              <a:rPr>
-                <a:solidFill>
-                  <a:srgbClr val="4758AB"/>
-                </a:solidFill>
-                <a:latin typeface="Courier"/>
-              </a:rPr>
-              <a:t>list</a:t>
-            </a:r>
-            <a:r>
-              <a:rPr>
-                <a:solidFill>
-                  <a:srgbClr val="003B4F"/>
-                </a:solidFill>
-                <a:latin typeface="Courier"/>
-              </a:rPr>
-              <a:t>(</a:t>
-            </a:r>
-            <a:br/>
-            <a:r>
-              <a:rPr>
-                <a:solidFill>
-                  <a:srgbClr val="003B4F"/>
-                </a:solidFill>
-                <a:latin typeface="Courier"/>
-              </a:rPr>
-              <a:t>  </a:t>
-            </a:r>
-            <a:r>
-              <a:rPr>
-                <a:solidFill>
-                  <a:srgbClr val="4758AB"/>
-                </a:solidFill>
-                <a:latin typeface="Courier"/>
-              </a:rPr>
-              <a:t>rxp_py_file</a:t>
-            </a:r>
-            <a:r>
-              <a:rPr>
-                <a:solidFill>
-                  <a:srgbClr val="003B4F"/>
-                </a:solidFill>
-                <a:latin typeface="Courier"/>
-              </a:rPr>
-              <a:t>(…),    </a:t>
-            </a:r>
-            <a:r>
-              <a:rPr>
-                <a:solidFill>
-                  <a:srgbClr val="5E5E5E"/>
-                </a:solidFill>
-                <a:latin typeface="Courier"/>
-              </a:rPr>
-              <a:t># Read a CSV with Python</a:t>
-            </a:r>
-            <a:br/>
-            <a:r>
-              <a:rPr>
-                <a:solidFill>
-                  <a:srgbClr val="003B4F"/>
-                </a:solidFill>
-                <a:latin typeface="Courier"/>
-              </a:rPr>
-              <a:t>  </a:t>
-            </a:r>
-            <a:r>
-              <a:rPr>
-                <a:solidFill>
-                  <a:srgbClr val="4758AB"/>
-                </a:solidFill>
-                <a:latin typeface="Courier"/>
-              </a:rPr>
-              <a:t>rxp_py</a:t>
-            </a:r>
-            <a:r>
-              <a:rPr>
-                <a:solidFill>
-                  <a:srgbClr val="003B4F"/>
-                </a:solidFill>
-                <a:latin typeface="Courier"/>
-              </a:rPr>
-              <a:t>(…),         </a:t>
-            </a:r>
-            <a:r>
-              <a:rPr>
-                <a:solidFill>
-                  <a:srgbClr val="5E5E5E"/>
-                </a:solidFill>
-                <a:latin typeface="Courier"/>
-              </a:rPr>
-              <a:t># Filter with Polars</a:t>
-            </a:r>
-            <a:br/>
-            <a:r>
-              <a:rPr>
-                <a:solidFill>
-                  <a:srgbClr val="003B4F"/>
-                </a:solidFill>
-                <a:latin typeface="Courier"/>
-              </a:rPr>
-              <a:t>  </a:t>
-            </a:r>
-            <a:r>
-              <a:rPr>
-                <a:solidFill>
-                  <a:srgbClr val="4758AB"/>
-                </a:solidFill>
-                <a:latin typeface="Courier"/>
-              </a:rPr>
-              <a:t>rxp_py2r</a:t>
-            </a:r>
-            <a:r>
-              <a:rPr>
-                <a:solidFill>
-                  <a:srgbClr val="003B4F"/>
-                </a:solidFill>
-                <a:latin typeface="Courier"/>
-              </a:rPr>
-              <a:t>(…),       </a:t>
-            </a:r>
-            <a:r>
-              <a:rPr>
-                <a:solidFill>
-                  <a:srgbClr val="5E5E5E"/>
-                </a:solidFill>
-                <a:latin typeface="Courier"/>
-              </a:rPr>
-              <a:t># Python → R transfer</a:t>
-            </a:r>
-            <a:br/>
-            <a:r>
-              <a:rPr>
-                <a:solidFill>
-                  <a:srgbClr val="003B4F"/>
-                </a:solidFill>
-                <a:latin typeface="Courier"/>
-              </a:rPr>
-              <a:t>  </a:t>
-            </a:r>
-            <a:r>
-              <a:rPr>
-                <a:solidFill>
-                  <a:srgbClr val="4758AB"/>
-                </a:solidFill>
-                <a:latin typeface="Courier"/>
-              </a:rPr>
-              <a:t>rxp_r</a:t>
-            </a:r>
-            <a:r>
-              <a:rPr>
-                <a:solidFill>
-                  <a:srgbClr val="003B4F"/>
-                </a:solidFill>
-                <a:latin typeface="Courier"/>
-              </a:rPr>
-              <a:t>(…),          </a:t>
-            </a:r>
-            <a:r>
-              <a:rPr>
-                <a:solidFill>
-                  <a:srgbClr val="5E5E5E"/>
-                </a:solidFill>
-                <a:latin typeface="Courier"/>
-              </a:rPr>
-              <a:t># Transform in R</a:t>
-            </a:r>
-            <a:br/>
-            <a:r>
-              <a:rPr>
-                <a:solidFill>
-                  <a:srgbClr val="003B4F"/>
-                </a:solidFill>
-                <a:latin typeface="Courier"/>
-              </a:rPr>
-              <a:t>  </a:t>
-            </a:r>
-            <a:r>
-              <a:rPr>
-                <a:solidFill>
-                  <a:srgbClr val="4758AB"/>
-                </a:solidFill>
-                <a:latin typeface="Courier"/>
-              </a:rPr>
-              <a:t>rxp_r2py</a:t>
-            </a:r>
-            <a:r>
-              <a:rPr>
-                <a:solidFill>
-                  <a:srgbClr val="003B4F"/>
-                </a:solidFill>
-                <a:latin typeface="Courier"/>
-              </a:rPr>
-              <a:t>(…),       </a:t>
-            </a:r>
-            <a:r>
-              <a:rPr>
-                <a:solidFill>
-                  <a:srgbClr val="5E5E5E"/>
-                </a:solidFill>
-                <a:latin typeface="Courier"/>
-              </a:rPr>
-              <a:t># R → Python transfer</a:t>
-            </a:r>
-            <a:br/>
-            <a:r>
-              <a:rPr>
-                <a:solidFill>
-                  <a:srgbClr val="003B4F"/>
-                </a:solidFill>
-                <a:latin typeface="Courier"/>
-              </a:rPr>
-              <a:t>  </a:t>
-            </a:r>
-            <a:r>
-              <a:rPr>
-                <a:solidFill>
-                  <a:srgbClr val="4758AB"/>
-                </a:solidFill>
-                <a:latin typeface="Courier"/>
-              </a:rPr>
-              <a:t>rxp_py</a:t>
-            </a:r>
-            <a:r>
-              <a:rPr>
-                <a:solidFill>
-                  <a:srgbClr val="003B4F"/>
-                </a:solidFill>
-                <a:latin typeface="Courier"/>
-              </a:rPr>
-              <a:t>(…),         </a:t>
-            </a:r>
-            <a:r>
-              <a:rPr>
-                <a:solidFill>
-                  <a:srgbClr val="5E5E5E"/>
-                </a:solidFill>
-                <a:latin typeface="Courier"/>
-              </a:rPr>
-              <a:t># Another Python step</a:t>
-            </a:r>
-            <a:br/>
-            <a:r>
-              <a:rPr>
-                <a:solidFill>
-                  <a:srgbClr val="003B4F"/>
-                </a:solidFill>
-                <a:latin typeface="Courier"/>
-              </a:rPr>
-              <a:t>  </a:t>
-            </a:r>
-            <a:r>
-              <a:rPr>
-                <a:solidFill>
-                  <a:srgbClr val="4758AB"/>
-                </a:solidFill>
-                <a:latin typeface="Courier"/>
-              </a:rPr>
-              <a:t>rxp_py2r</a:t>
-            </a:r>
-            <a:r>
-              <a:rPr>
-                <a:solidFill>
-                  <a:srgbClr val="003B4F"/>
-                </a:solidFill>
-                <a:latin typeface="Courier"/>
-              </a:rPr>
-              <a:t>(…),       </a:t>
-            </a:r>
-            <a:r>
-              <a:rPr>
-                <a:solidFill>
-                  <a:srgbClr val="5E5E5E"/>
-                </a:solidFill>
-                <a:latin typeface="Courier"/>
-              </a:rPr>
-              <a:t># Back to R</a:t>
-            </a:r>
-            <a:br/>
-            <a:r>
-              <a:rPr>
-                <a:solidFill>
-                  <a:srgbClr val="003B4F"/>
-                </a:solidFill>
-                <a:latin typeface="Courier"/>
-              </a:rPr>
-              <a:t>  </a:t>
-            </a:r>
-            <a:r>
-              <a:rPr>
-                <a:solidFill>
-                  <a:srgbClr val="4758AB"/>
-                </a:solidFill>
-                <a:latin typeface="Courier"/>
-              </a:rPr>
-              <a:t>rxp_r</a:t>
-            </a:r>
-            <a:r>
-              <a:rPr>
-                <a:solidFill>
-                  <a:srgbClr val="003B4F"/>
-                </a:solidFill>
-                <a:latin typeface="Courier"/>
-              </a:rPr>
-              <a:t>(…)           </a:t>
-            </a:r>
-            <a:r>
-              <a:rPr>
-                <a:solidFill>
-                  <a:srgbClr val="5E5E5E"/>
-                </a:solidFill>
-                <a:latin typeface="Courier"/>
-              </a:rPr>
-              <a:t># Final step</a:t>
-            </a:r>
-            <a:br/>
-            <a:r>
-              <a:rPr>
-                <a:solidFill>
-                  <a:srgbClr val="003B4F"/>
-                </a:solidFill>
-                <a:latin typeface="Courier"/>
-              </a:rPr>
-              <a:t>) </a:t>
-            </a:r>
-            <a:r>
-              <a:rPr>
-                <a:solidFill>
-                  <a:srgbClr val="5E5E5E"/>
-                </a:solidFill>
-                <a:latin typeface="Courier"/>
-              </a:rPr>
-              <a:t>|&gt;</a:t>
-            </a:r>
-            <a:r>
-              <a:rPr>
-                <a:solidFill>
-                  <a:srgbClr val="003B4F"/>
-                </a:solidFill>
-                <a:latin typeface="Courier"/>
-              </a:rPr>
-              <a:t> </a:t>
-            </a:r>
-            <a:r>
-              <a:rPr>
-                <a:solidFill>
-                  <a:srgbClr val="4758AB"/>
-                </a:solidFill>
-                <a:latin typeface="Courier"/>
-              </a:rPr>
-              <a:t>rixpress</a:t>
-            </a:r>
-            <a:r>
-              <a:rPr>
-                <a:solidFill>
-                  <a:srgbClr val="003B4F"/>
-                </a:solidFill>
-                <a:latin typeface="Courier"/>
-              </a:rPr>
-              <a:t>()</a:t>
-            </a:r>
-          </a:p>
-          <a:p>
             <a:pPr lvl="0"/>
             <a:r>
-              <a:rPr/>
-              <a:t>Each step is named, typed (</a:t>
-            </a:r>
-            <a:r>
-              <a:rPr>
-                <a:latin typeface="Courier"/>
-              </a:rPr>
-              <a:t>py</a:t>
-            </a:r>
-            <a:r>
-              <a:rPr/>
-              <a:t>, </a:t>
-            </a:r>
-            <a:r>
-              <a:rPr>
-                <a:latin typeface="Courier"/>
-              </a:rPr>
-              <a:t>r</a:t>
-            </a:r>
-            <a:r>
-              <a:rPr/>
-              <a:t>, </a:t>
-            </a:r>
-            <a:r>
-              <a:rPr>
-                <a:latin typeface="Courier"/>
-              </a:rPr>
-              <a:t>r2py</a:t>
-            </a:r>
-            <a:r>
-              <a:rPr/>
-              <a:t>, etc.)</a:t>
+              <a:rPr>
+                <a:latin typeface="Courier"/>
+              </a:rPr>
+              <a:t>{rixpress}</a:t>
+            </a:r>
+            <a:r>
+              <a:rPr/>
+              <a:t> lets you chain processing steps in both R </a:t>
+            </a:r>
+            <a:r>
+              <a:rPr b="1"/>
+              <a:t>and</a:t>
+            </a:r>
+            <a:r>
+              <a:rPr/>
+              <a:t> Python</a:t>
             </a:r>
           </a:p>
           <a:p>
             <a:pPr lvl="0"/>
             <a:r>
               <a:rPr/>
-              <a:t>You can add files (</a:t>
-            </a:r>
-            <a:r>
-              <a:rPr>
-                <a:latin typeface="Courier"/>
-              </a:rPr>
-              <a:t>functions.R</a:t>
-            </a:r>
-            <a:r>
-              <a:rPr/>
-              <a:t>, images…)</a:t>
+              <a:t>Uses </a:t>
+            </a:r>
+            <a:r>
+              <a:rPr>
+                <a:latin typeface="Courier"/>
+              </a:rPr>
+              <a:t>{rix}</a:t>
+            </a:r>
+            <a:r>
+              <a:rPr/>
+              <a:t> to create a reproducible (Nix-based) execution environment for the pipeline</a:t>
+            </a:r>
+          </a:p>
+          <a:p>
+            <a:pPr lvl="0"/>
+            <a:r>
+              <a:rPr/>
+              <a:t>Each pipeline step is a </a:t>
+            </a:r>
+            <a:r>
+              <a:rPr b="1"/>
+              <a:t>Nix derivation</a:t>
+            </a:r>
+          </a:p>
+          <a:p>
+            <a:pPr lvl="0"/>
+            <a:r>
+              <a:rPr/>
+              <a:t>Data transfer: automatic via </a:t>
+            </a:r>
+            <a:r>
+              <a:rPr>
+                <a:latin typeface="Courier"/>
+              </a:rPr>
+              <a:t>reticulate</a:t>
+            </a:r>
+            <a:r>
+              <a:rPr/>
+              <a:t> or universal formats (JSON)</a:t>
             </a:r>
           </a:p>
         </p:txBody>
@@ -4615,7 +4236,7 @@
             </a:pPr>
             <a:r>
               <a:rPr/>
-              <a:t>Transfer with JSON (or other universal format)</a:t>
+              <a:t>An example mixed pipeline</a:t>
             </a:r>
           </a:p>
         </p:txBody>
@@ -4635,307 +4256,422 @@
           <a:bodyPr/>
           <a:lstStyle/>
           <a:p>
+            <a:pPr lvl="0" indent="0">
+              <a:buNone/>
+            </a:pPr>
+            <a:r>
+              <a:rPr>
+                <a:solidFill>
+                  <a:srgbClr val="4758AB"/>
+                </a:solidFill>
+                <a:latin typeface="Courier"/>
+              </a:rPr>
+              <a:t>list</a:t>
+            </a:r>
+            <a:r>
+              <a:rPr>
+                <a:solidFill>
+                  <a:srgbClr val="003B4F"/>
+                </a:solidFill>
+                <a:latin typeface="Courier"/>
+              </a:rPr>
+              <a:t>(</a:t>
+            </a:r>
+            <a:br/>
+            <a:r>
+              <a:rPr>
+                <a:solidFill>
+                  <a:srgbClr val="003B4F"/>
+                </a:solidFill>
+                <a:latin typeface="Courier"/>
+              </a:rPr>
+              <a:t>  </a:t>
+            </a:r>
+            <a:r>
+              <a:rPr>
+                <a:solidFill>
+                  <a:srgbClr val="4758AB"/>
+                </a:solidFill>
+                <a:latin typeface="Courier"/>
+              </a:rPr>
+              <a:t>rxp_py_file</a:t>
+            </a:r>
+            <a:r>
+              <a:rPr>
+                <a:solidFill>
+                  <a:srgbClr val="003B4F"/>
+                </a:solidFill>
+                <a:latin typeface="Courier"/>
+              </a:rPr>
+              <a:t>(…),    </a:t>
+            </a:r>
+            <a:r>
+              <a:rPr>
+                <a:solidFill>
+                  <a:srgbClr val="5E5E5E"/>
+                </a:solidFill>
+                <a:latin typeface="Courier"/>
+              </a:rPr>
+              <a:t># Read a CSV with Python</a:t>
+            </a:r>
+            <a:br/>
+            <a:r>
+              <a:rPr>
+                <a:solidFill>
+                  <a:srgbClr val="003B4F"/>
+                </a:solidFill>
+                <a:latin typeface="Courier"/>
+              </a:rPr>
+              <a:t>  </a:t>
+            </a:r>
+            <a:r>
+              <a:rPr>
+                <a:solidFill>
+                  <a:srgbClr val="4758AB"/>
+                </a:solidFill>
+                <a:latin typeface="Courier"/>
+              </a:rPr>
+              <a:t>rxp_py</a:t>
+            </a:r>
+            <a:r>
+              <a:rPr>
+                <a:solidFill>
+                  <a:srgbClr val="003B4F"/>
+                </a:solidFill>
+                <a:latin typeface="Courier"/>
+              </a:rPr>
+              <a:t>(…),         </a:t>
+            </a:r>
+            <a:r>
+              <a:rPr>
+                <a:solidFill>
+                  <a:srgbClr val="5E5E5E"/>
+                </a:solidFill>
+                <a:latin typeface="Courier"/>
+              </a:rPr>
+              <a:t># Filter with Polars</a:t>
+            </a:r>
+            <a:br/>
+            <a:r>
+              <a:rPr>
+                <a:solidFill>
+                  <a:srgbClr val="003B4F"/>
+                </a:solidFill>
+                <a:latin typeface="Courier"/>
+              </a:rPr>
+              <a:t>  </a:t>
+            </a:r>
+            <a:r>
+              <a:rPr>
+                <a:solidFill>
+                  <a:srgbClr val="4758AB"/>
+                </a:solidFill>
+                <a:latin typeface="Courier"/>
+              </a:rPr>
+              <a:t>rxp_py2r</a:t>
+            </a:r>
+            <a:r>
+              <a:rPr>
+                <a:solidFill>
+                  <a:srgbClr val="003B4F"/>
+                </a:solidFill>
+                <a:latin typeface="Courier"/>
+              </a:rPr>
+              <a:t>(…),       </a:t>
+            </a:r>
+            <a:r>
+              <a:rPr>
+                <a:solidFill>
+                  <a:srgbClr val="5E5E5E"/>
+                </a:solidFill>
+                <a:latin typeface="Courier"/>
+              </a:rPr>
+              <a:t># Python → R transfer</a:t>
+            </a:r>
+            <a:br/>
+            <a:r>
+              <a:rPr>
+                <a:solidFill>
+                  <a:srgbClr val="003B4F"/>
+                </a:solidFill>
+                <a:latin typeface="Courier"/>
+              </a:rPr>
+              <a:t>  </a:t>
+            </a:r>
+            <a:r>
+              <a:rPr>
+                <a:solidFill>
+                  <a:srgbClr val="4758AB"/>
+                </a:solidFill>
+                <a:latin typeface="Courier"/>
+              </a:rPr>
+              <a:t>rxp_r</a:t>
+            </a:r>
+            <a:r>
+              <a:rPr>
+                <a:solidFill>
+                  <a:srgbClr val="003B4F"/>
+                </a:solidFill>
+                <a:latin typeface="Courier"/>
+              </a:rPr>
+              <a:t>(…),          </a:t>
+            </a:r>
+            <a:r>
+              <a:rPr>
+                <a:solidFill>
+                  <a:srgbClr val="5E5E5E"/>
+                </a:solidFill>
+                <a:latin typeface="Courier"/>
+              </a:rPr>
+              <a:t># Transform in R</a:t>
+            </a:r>
+            <a:br/>
+            <a:r>
+              <a:rPr>
+                <a:solidFill>
+                  <a:srgbClr val="003B4F"/>
+                </a:solidFill>
+                <a:latin typeface="Courier"/>
+              </a:rPr>
+              <a:t>  </a:t>
+            </a:r>
+            <a:r>
+              <a:rPr>
+                <a:solidFill>
+                  <a:srgbClr val="4758AB"/>
+                </a:solidFill>
+                <a:latin typeface="Courier"/>
+              </a:rPr>
+              <a:t>rxp_r2py</a:t>
+            </a:r>
+            <a:r>
+              <a:rPr>
+                <a:solidFill>
+                  <a:srgbClr val="003B4F"/>
+                </a:solidFill>
+                <a:latin typeface="Courier"/>
+              </a:rPr>
+              <a:t>(…),       </a:t>
+            </a:r>
+            <a:r>
+              <a:rPr>
+                <a:solidFill>
+                  <a:srgbClr val="5E5E5E"/>
+                </a:solidFill>
+                <a:latin typeface="Courier"/>
+              </a:rPr>
+              <a:t># R → Python transfer</a:t>
+            </a:r>
+            <a:br/>
+            <a:r>
+              <a:rPr>
+                <a:solidFill>
+                  <a:srgbClr val="003B4F"/>
+                </a:solidFill>
+                <a:latin typeface="Courier"/>
+              </a:rPr>
+              <a:t>  </a:t>
+            </a:r>
+            <a:r>
+              <a:rPr>
+                <a:solidFill>
+                  <a:srgbClr val="4758AB"/>
+                </a:solidFill>
+                <a:latin typeface="Courier"/>
+              </a:rPr>
+              <a:t>rxp_py</a:t>
+            </a:r>
+            <a:r>
+              <a:rPr>
+                <a:solidFill>
+                  <a:srgbClr val="003B4F"/>
+                </a:solidFill>
+                <a:latin typeface="Courier"/>
+              </a:rPr>
+              <a:t>(…),         </a:t>
+            </a:r>
+            <a:r>
+              <a:rPr>
+                <a:solidFill>
+                  <a:srgbClr val="5E5E5E"/>
+                </a:solidFill>
+                <a:latin typeface="Courier"/>
+              </a:rPr>
+              <a:t># Another Python step</a:t>
+            </a:r>
+            <a:br/>
+            <a:r>
+              <a:rPr>
+                <a:solidFill>
+                  <a:srgbClr val="003B4F"/>
+                </a:solidFill>
+                <a:latin typeface="Courier"/>
+              </a:rPr>
+              <a:t>  </a:t>
+            </a:r>
+            <a:r>
+              <a:rPr>
+                <a:solidFill>
+                  <a:srgbClr val="4758AB"/>
+                </a:solidFill>
+                <a:latin typeface="Courier"/>
+              </a:rPr>
+              <a:t>rxp_py2r</a:t>
+            </a:r>
+            <a:r>
+              <a:rPr>
+                <a:solidFill>
+                  <a:srgbClr val="003B4F"/>
+                </a:solidFill>
+                <a:latin typeface="Courier"/>
+              </a:rPr>
+              <a:t>(…),       </a:t>
+            </a:r>
+            <a:r>
+              <a:rPr>
+                <a:solidFill>
+                  <a:srgbClr val="5E5E5E"/>
+                </a:solidFill>
+                <a:latin typeface="Courier"/>
+              </a:rPr>
+              <a:t># Back to R</a:t>
+            </a:r>
+            <a:br/>
+            <a:r>
+              <a:rPr>
+                <a:solidFill>
+                  <a:srgbClr val="003B4F"/>
+                </a:solidFill>
+                <a:latin typeface="Courier"/>
+              </a:rPr>
+              <a:t>  </a:t>
+            </a:r>
+            <a:r>
+              <a:rPr>
+                <a:solidFill>
+                  <a:srgbClr val="4758AB"/>
+                </a:solidFill>
+                <a:latin typeface="Courier"/>
+              </a:rPr>
+              <a:t>rxp_r</a:t>
+            </a:r>
+            <a:r>
+              <a:rPr>
+                <a:solidFill>
+                  <a:srgbClr val="003B4F"/>
+                </a:solidFill>
+                <a:latin typeface="Courier"/>
+              </a:rPr>
+              <a:t>(…)           </a:t>
+            </a:r>
+            <a:r>
+              <a:rPr>
+                <a:solidFill>
+                  <a:srgbClr val="5E5E5E"/>
+                </a:solidFill>
+                <a:latin typeface="Courier"/>
+              </a:rPr>
+              <a:t># Final step</a:t>
+            </a:r>
+            <a:br/>
+            <a:r>
+              <a:rPr>
+                <a:solidFill>
+                  <a:srgbClr val="003B4F"/>
+                </a:solidFill>
+                <a:latin typeface="Courier"/>
+              </a:rPr>
+              <a:t>) </a:t>
+            </a:r>
+            <a:r>
+              <a:rPr>
+                <a:solidFill>
+                  <a:srgbClr val="5E5E5E"/>
+                </a:solidFill>
+                <a:latin typeface="Courier"/>
+              </a:rPr>
+              <a:t>|&gt;</a:t>
+            </a:r>
+            <a:r>
+              <a:rPr>
+                <a:solidFill>
+                  <a:srgbClr val="003B4F"/>
+                </a:solidFill>
+                <a:latin typeface="Courier"/>
+              </a:rPr>
+              <a:t> </a:t>
+            </a:r>
+            <a:r>
+              <a:rPr>
+                <a:solidFill>
+                  <a:srgbClr val="4758AB"/>
+                </a:solidFill>
+                <a:latin typeface="Courier"/>
+              </a:rPr>
+              <a:t>rixpress</a:t>
+            </a:r>
+            <a:r>
+              <a:rPr>
+                <a:solidFill>
+                  <a:srgbClr val="003B4F"/>
+                </a:solidFill>
+                <a:latin typeface="Courier"/>
+              </a:rPr>
+              <a:t>()</a:t>
+            </a:r>
+          </a:p>
+          <a:p>
             <a:pPr lvl="0"/>
             <a:r>
               <a:rPr/>
-              <a:t>Advantage: avoids using </a:t>
-            </a:r>
-            <a:r>
-              <a:rPr>
-                <a:latin typeface="Courier"/>
-              </a:rPr>
-              <a:t>reticulate</a:t>
+              <a:t>Each step is named, typed (</a:t>
+            </a:r>
+            <a:r>
+              <a:rPr>
+                <a:latin typeface="Courier"/>
+              </a:rPr>
+              <a:t>py</a:t>
+            </a:r>
+            <a:r>
+              <a:rPr/>
+              <a:t>, </a:t>
+            </a:r>
+            <a:r>
+              <a:rPr>
+                <a:latin typeface="Courier"/>
+              </a:rPr>
+              <a:t>r</a:t>
+            </a:r>
+            <a:r>
+              <a:rPr/>
+              <a:t>, </a:t>
+            </a:r>
+            <a:r>
+              <a:rPr>
+                <a:latin typeface="Courier"/>
+              </a:rPr>
+              <a:t>r2py</a:t>
+            </a:r>
+            <a:r>
+              <a:rPr/>
+              <a:t>, etc.)</a:t>
             </a:r>
           </a:p>
           <a:p>
             <a:pPr lvl="0"/>
             <a:r>
               <a:rPr/>
-              <a:t>Add a Python serialization function:</a:t>
-            </a:r>
-          </a:p>
-          <a:p>
-            <a:pPr lvl="0" indent="0" marL="0">
-              <a:buNone/>
-            </a:pPr>
-            <a:r>
-              <a:rPr/>
-              <a:t>. . .</a:t>
-            </a:r>
-          </a:p>
-          <a:p>
-            <a:pPr lvl="0" indent="0">
-              <a:buNone/>
-            </a:pPr>
-            <a:r>
-              <a:rPr b="1">
-                <a:solidFill>
-                  <a:srgbClr val="003B4F"/>
-                </a:solidFill>
-                <a:latin typeface="Courier"/>
-              </a:rPr>
-              <a:t>def</a:t>
-            </a:r>
-            <a:r>
-              <a:rPr>
-                <a:solidFill>
-                  <a:srgbClr val="003B4F"/>
-                </a:solidFill>
-                <a:latin typeface="Courier"/>
-              </a:rPr>
-              <a:t> serialize_to_json(pl_df, path):</a:t>
-            </a:r>
-            <a:br/>
-            <a:r>
-              <a:rPr>
-                <a:solidFill>
-                  <a:srgbClr val="003B4F"/>
-                </a:solidFill>
-                <a:latin typeface="Courier"/>
-              </a:rPr>
-              <a:t>    </a:t>
-            </a:r>
-            <a:r>
-              <a:rPr b="1">
-                <a:solidFill>
-                  <a:srgbClr val="003B4F"/>
-                </a:solidFill>
-                <a:latin typeface="Courier"/>
-              </a:rPr>
-              <a:t>with</a:t>
-            </a:r>
-            <a:r>
-              <a:rPr>
-                <a:solidFill>
-                  <a:srgbClr val="003B4F"/>
-                </a:solidFill>
-                <a:latin typeface="Courier"/>
-              </a:rPr>
-              <a:t> open(path, </a:t>
-            </a:r>
-            <a:r>
-              <a:rPr>
-                <a:solidFill>
-                  <a:srgbClr val="20794D"/>
-                </a:solidFill>
-                <a:latin typeface="Courier"/>
-              </a:rPr>
-              <a:t>'w'</a:t>
-            </a:r>
-            <a:r>
-              <a:rPr>
-                <a:solidFill>
-                  <a:srgbClr val="003B4F"/>
-                </a:solidFill>
-                <a:latin typeface="Courier"/>
-              </a:rPr>
-              <a:t>) </a:t>
-            </a:r>
-            <a:r>
-              <a:rPr>
-                <a:solidFill>
-                  <a:srgbClr val="00769E"/>
-                </a:solidFill>
-                <a:latin typeface="Courier"/>
-              </a:rPr>
-              <a:t>as</a:t>
-            </a:r>
-            <a:r>
-              <a:rPr>
-                <a:solidFill>
-                  <a:srgbClr val="003B4F"/>
-                </a:solidFill>
-                <a:latin typeface="Courier"/>
-              </a:rPr>
-              <a:t> f:</a:t>
-            </a:r>
-            <a:br/>
-            <a:r>
-              <a:rPr>
-                <a:solidFill>
-                  <a:srgbClr val="003B4F"/>
-                </a:solidFill>
-                <a:latin typeface="Courier"/>
-              </a:rPr>
-              <a:t>        f.write(pl_df.write_json())</a:t>
-            </a:r>
-          </a:p>
-          <a:p>
-            <a:pPr lvl="0"/>
-            <a:r>
-              <a:rPr/>
-              <a:t>And on the R side:</a:t>
-            </a:r>
-          </a:p>
-          <a:p>
-            <a:pPr lvl="0" indent="0" marL="0">
-              <a:buNone/>
-            </a:pPr>
-            <a:r>
-              <a:rPr/>
-              <a:t>. . .</a:t>
-            </a:r>
-          </a:p>
-          <a:p>
-            <a:pPr lvl="0" indent="0">
-              <a:buNone/>
-            </a:pPr>
-            <a:r>
-              <a:rPr>
-                <a:solidFill>
-                  <a:srgbClr val="4758AB"/>
-                </a:solidFill>
-                <a:latin typeface="Courier"/>
-              </a:rPr>
-              <a:t>rxp_r</a:t>
-            </a:r>
-            <a:r>
-              <a:rPr>
-                <a:solidFill>
-                  <a:srgbClr val="003B4F"/>
-                </a:solidFill>
-                <a:latin typeface="Courier"/>
-              </a:rPr>
-              <a:t>(</a:t>
-            </a:r>
-            <a:br/>
-            <a:r>
-              <a:rPr>
-                <a:solidFill>
-                  <a:srgbClr val="003B4F"/>
-                </a:solidFill>
-                <a:latin typeface="Courier"/>
-              </a:rPr>
-              <a:t>  </a:t>
-            </a:r>
-            <a:r>
-              <a:rPr>
-                <a:solidFill>
-                  <a:srgbClr val="657422"/>
-                </a:solidFill>
-                <a:latin typeface="Courier"/>
-              </a:rPr>
-              <a:t>name =</a:t>
-            </a:r>
-            <a:r>
-              <a:rPr>
-                <a:solidFill>
-                  <a:srgbClr val="003B4F"/>
-                </a:solidFill>
-                <a:latin typeface="Courier"/>
-              </a:rPr>
-              <a:t> </a:t>
-            </a:r>
-            <a:r>
-              <a:rPr>
-                <a:solidFill>
-                  <a:srgbClr val="20794D"/>
-                </a:solidFill>
-                <a:latin typeface="Courier"/>
-              </a:rPr>
-              <a:t>"x"</a:t>
-            </a:r>
-            <a:r>
-              <a:rPr>
-                <a:solidFill>
-                  <a:srgbClr val="003B4F"/>
-                </a:solidFill>
-                <a:latin typeface="Courier"/>
-              </a:rPr>
-              <a:t>,</a:t>
-            </a:r>
-            <a:br/>
-            <a:r>
-              <a:rPr>
-                <a:solidFill>
-                  <a:srgbClr val="003B4F"/>
-                </a:solidFill>
-                <a:latin typeface="Courier"/>
-              </a:rPr>
-              <a:t>  </a:t>
-            </a:r>
-            <a:r>
-              <a:rPr>
-                <a:solidFill>
-                  <a:srgbClr val="657422"/>
-                </a:solidFill>
-                <a:latin typeface="Courier"/>
-              </a:rPr>
-              <a:t>expr =</a:t>
-            </a:r>
-            <a:r>
-              <a:rPr>
-                <a:solidFill>
-                  <a:srgbClr val="003B4F"/>
-                </a:solidFill>
-                <a:latin typeface="Courier"/>
-              </a:rPr>
-              <a:t> </a:t>
-            </a:r>
-            <a:r>
-              <a:rPr>
-                <a:solidFill>
-                  <a:srgbClr val="4758AB"/>
-                </a:solidFill>
-                <a:latin typeface="Courier"/>
-              </a:rPr>
-              <a:t>my_fun</a:t>
-            </a:r>
-            <a:r>
-              <a:rPr>
-                <a:solidFill>
-                  <a:srgbClr val="003B4F"/>
-                </a:solidFill>
-                <a:latin typeface="Courier"/>
-              </a:rPr>
-              <a:t>(data),</a:t>
-            </a:r>
-            <a:br/>
-            <a:r>
-              <a:rPr>
-                <a:solidFill>
-                  <a:srgbClr val="003B4F"/>
-                </a:solidFill>
-                <a:latin typeface="Courier"/>
-              </a:rPr>
-              <a:t>  </a:t>
-            </a:r>
-            <a:r>
-              <a:rPr>
-                <a:solidFill>
-                  <a:srgbClr val="657422"/>
-                </a:solidFill>
-                <a:latin typeface="Courier"/>
-              </a:rPr>
-              <a:t>unserialize_function =</a:t>
-            </a:r>
-            <a:r>
-              <a:rPr>
-                <a:solidFill>
-                  <a:srgbClr val="003B4F"/>
-                </a:solidFill>
-                <a:latin typeface="Courier"/>
-              </a:rPr>
-              <a:t> </a:t>
-            </a:r>
-            <a:r>
-              <a:rPr>
-                <a:solidFill>
-                  <a:srgbClr val="20794D"/>
-                </a:solidFill>
-                <a:latin typeface="Courier"/>
-              </a:rPr>
-              <a:t>"jsonlite::fromJSON"</a:t>
-            </a:r>
-            <a:br/>
-            <a:r>
-              <a:rPr>
-                <a:solidFill>
-                  <a:srgbClr val="003B4F"/>
-                </a:solidFill>
-                <a:latin typeface="Courier"/>
-              </a:rPr>
-              <a:t>)</a:t>
+              <a:t>You can add files (</a:t>
+            </a:r>
+            <a:r>
+              <a:rPr>
+                <a:latin typeface="Courier"/>
+              </a:rPr>
+              <a:t>functions.R</a:t>
+            </a:r>
+            <a:r>
+              <a:rPr/>
+              <a:t>, images…)</a:t>
             </a:r>
           </a:p>
         </p:txBody>
@@ -4982,7 +4718,7 @@
             </a:pPr>
             <a:r>
               <a:rPr/>
-              <a:t>Document generation (Quarto or Rmd)</a:t>
+              <a:t>Transfer with JSON (or other universal format)</a:t>
             </a:r>
           </a:p>
         </p:txBody>
@@ -5005,17 +4741,20 @@
             <a:pPr lvl="0"/>
             <a:r>
               <a:rPr/>
-              <a:t>Easily integrate pipeline output into a </a:t>
-            </a:r>
-            <a:r>
-              <a:rPr>
-                <a:latin typeface="Courier"/>
-              </a:rPr>
-              <a:t>.qmd</a:t>
-            </a:r>
-            <a:r>
-              <a:rPr/>
-              <a:t>:</a:t>
+              <a:t>Advantage: avoids using </a:t>
+            </a:r>
+            <a:r>
+              <a:rPr>
+                <a:latin typeface="Courier"/>
+              </a:rPr>
+              <a:t>reticulate</a:t>
+            </a:r>
+          </a:p>
+          <a:p>
+            <a:pPr lvl="0"/>
+            <a:r>
+              <a:rPr/>
+              <a:t>Add a Python serialization function:</a:t>
             </a:r>
           </a:p>
           <a:p>
@@ -5032,12 +4771,103 @@
               <a:buNone/>
             </a:pPr>
             <a:r>
-              <a:rPr>
-                <a:latin typeface="Courier"/>
-              </a:rPr>
-              <a:t>```r
-rixpress::rxp_read("mtcars_head")
-```</a:t>
+              <a:rPr b="1">
+                <a:solidFill>
+                  <a:srgbClr val="003B4F"/>
+                </a:solidFill>
+                <a:latin typeface="Courier"/>
+              </a:rPr>
+              <a:t>def</a:t>
+            </a:r>
+            <a:r>
+              <a:rPr>
+                <a:solidFill>
+                  <a:srgbClr val="003B4F"/>
+                </a:solidFill>
+                <a:latin typeface="Courier"/>
+              </a:rPr>
+              <a:t> serialize_to_json(pl_df, path):</a:t>
+            </a:r>
+            <a:br/>
+            <a:r>
+              <a:rPr>
+                <a:solidFill>
+                  <a:srgbClr val="003B4F"/>
+                </a:solidFill>
+                <a:latin typeface="Courier"/>
+              </a:rPr>
+              <a:t>    </a:t>
+            </a:r>
+            <a:r>
+              <a:rPr b="1">
+                <a:solidFill>
+                  <a:srgbClr val="003B4F"/>
+                </a:solidFill>
+                <a:latin typeface="Courier"/>
+              </a:rPr>
+              <a:t>with</a:t>
+            </a:r>
+            <a:r>
+              <a:rPr>
+                <a:solidFill>
+                  <a:srgbClr val="003B4F"/>
+                </a:solidFill>
+                <a:latin typeface="Courier"/>
+              </a:rPr>
+              <a:t> open(path, </a:t>
+            </a:r>
+            <a:r>
+              <a:rPr>
+                <a:solidFill>
+                  <a:srgbClr val="20794D"/>
+                </a:solidFill>
+                <a:latin typeface="Courier"/>
+              </a:rPr>
+              <a:t>'w'</a:t>
+            </a:r>
+            <a:r>
+              <a:rPr>
+                <a:solidFill>
+                  <a:srgbClr val="003B4F"/>
+                </a:solidFill>
+                <a:latin typeface="Courier"/>
+              </a:rPr>
+              <a:t>) </a:t>
+            </a:r>
+            <a:r>
+              <a:rPr>
+                <a:solidFill>
+                  <a:srgbClr val="00769E"/>
+                </a:solidFill>
+                <a:latin typeface="Courier"/>
+              </a:rPr>
+              <a:t>as</a:t>
+            </a:r>
+            <a:r>
+              <a:rPr>
+                <a:solidFill>
+                  <a:srgbClr val="003B4F"/>
+                </a:solidFill>
+                <a:latin typeface="Courier"/>
+              </a:rPr>
+              <a:t> f:</a:t>
+            </a:r>
+            <a:br/>
+            <a:r>
+              <a:rPr>
+                <a:solidFill>
+                  <a:srgbClr val="003B4F"/>
+                </a:solidFill>
+                <a:latin typeface="Courier"/>
+              </a:rPr>
+              <a:t>        f.write(pl_df.write_json())</a:t>
+            </a:r>
+          </a:p>
+          <a:p>
+            <a:pPr lvl="0"/>
+            <a:r>
+              <a:rPr/>
+              <a:t>And on the R side:</a:t>
             </a:r>
           </a:p>
           <a:p>
@@ -5050,17 +4880,165 @@
             </a:r>
           </a:p>
           <a:p>
-            <a:pPr lvl="0"/>
-            <a:r>
-              <a:rPr/>
-              <a:t>All created objects can be dynamically loaded in the document</a:t>
-            </a:r>
-          </a:p>
-          <a:p>
-            <a:pPr lvl="0"/>
-            <a:r>
-              <a:rPr/>
-              <a:t>You can pass additional files (content.qmd, images…)</a:t>
+            <a:pPr lvl="0" indent="0">
+              <a:buNone/>
+            </a:pPr>
+            <a:r>
+              <a:rPr>
+                <a:solidFill>
+                  <a:srgbClr val="4758AB"/>
+                </a:solidFill>
+                <a:latin typeface="Courier"/>
+              </a:rPr>
+              <a:t>rxp_r</a:t>
+            </a:r>
+            <a:r>
+              <a:rPr>
+                <a:solidFill>
+                  <a:srgbClr val="003B4F"/>
+                </a:solidFill>
+                <a:latin typeface="Courier"/>
+              </a:rPr>
+              <a:t>(</a:t>
+            </a:r>
+            <a:br/>
+            <a:r>
+              <a:rPr>
+                <a:solidFill>
+                  <a:srgbClr val="003B4F"/>
+                </a:solidFill>
+                <a:latin typeface="Courier"/>
+              </a:rPr>
+              <a:t>  </a:t>
+            </a:r>
+            <a:r>
+              <a:rPr>
+                <a:solidFill>
+                  <a:srgbClr val="657422"/>
+                </a:solidFill>
+                <a:latin typeface="Courier"/>
+              </a:rPr>
+              <a:t>name =</a:t>
+            </a:r>
+            <a:r>
+              <a:rPr>
+                <a:solidFill>
+                  <a:srgbClr val="003B4F"/>
+                </a:solidFill>
+                <a:latin typeface="Courier"/>
+              </a:rPr>
+              <a:t> </a:t>
+            </a:r>
+            <a:r>
+              <a:rPr>
+                <a:solidFill>
+                  <a:srgbClr val="20794D"/>
+                </a:solidFill>
+                <a:latin typeface="Courier"/>
+              </a:rPr>
+              <a:t>"x"</a:t>
+            </a:r>
+            <a:r>
+              <a:rPr>
+                <a:solidFill>
+                  <a:srgbClr val="003B4F"/>
+                </a:solidFill>
+                <a:latin typeface="Courier"/>
+              </a:rPr>
+              <a:t>,</a:t>
+            </a:r>
+            <a:br/>
+            <a:r>
+              <a:rPr>
+                <a:solidFill>
+                  <a:srgbClr val="003B4F"/>
+                </a:solidFill>
+                <a:latin typeface="Courier"/>
+              </a:rPr>
+              <a:t>  </a:t>
+            </a:r>
+            <a:r>
+              <a:rPr>
+                <a:solidFill>
+                  <a:srgbClr val="657422"/>
+                </a:solidFill>
+                <a:latin typeface="Courier"/>
+              </a:rPr>
+              <a:t>expr =</a:t>
+            </a:r>
+            <a:r>
+              <a:rPr>
+                <a:solidFill>
+                  <a:srgbClr val="003B4F"/>
+                </a:solidFill>
+                <a:latin typeface="Courier"/>
+              </a:rPr>
+              <a:t> </a:t>
+            </a:r>
+            <a:r>
+              <a:rPr>
+                <a:solidFill>
+                  <a:srgbClr val="4758AB"/>
+                </a:solidFill>
+                <a:latin typeface="Courier"/>
+              </a:rPr>
+              <a:t>my_fun</a:t>
+            </a:r>
+            <a:r>
+              <a:rPr>
+                <a:solidFill>
+                  <a:srgbClr val="003B4F"/>
+                </a:solidFill>
+                <a:latin typeface="Courier"/>
+              </a:rPr>
+              <a:t>(data),</a:t>
+            </a:r>
+            <a:br/>
+            <a:r>
+              <a:rPr>
+                <a:solidFill>
+                  <a:srgbClr val="003B4F"/>
+                </a:solidFill>
+                <a:latin typeface="Courier"/>
+              </a:rPr>
+              <a:t>  </a:t>
+            </a:r>
+            <a:r>
+              <a:rPr>
+                <a:solidFill>
+                  <a:srgbClr val="657422"/>
+                </a:solidFill>
+                <a:latin typeface="Courier"/>
+              </a:rPr>
+              <a:t>unserialize_function =</a:t>
+            </a:r>
+            <a:r>
+              <a:rPr>
+                <a:solidFill>
+                  <a:srgbClr val="003B4F"/>
+                </a:solidFill>
+                <a:latin typeface="Courier"/>
+              </a:rPr>
+              <a:t> </a:t>
+            </a:r>
+            <a:r>
+              <a:rPr>
+                <a:solidFill>
+                  <a:srgbClr val="20794D"/>
+                </a:solidFill>
+                <a:latin typeface="Courier"/>
+              </a:rPr>
+              <a:t>"jsonlite::fromJSON"</a:t>
+            </a:r>
+            <a:br/>
+            <a:r>
+              <a:rPr>
+                <a:solidFill>
+                  <a:srgbClr val="003B4F"/>
+                </a:solidFill>
+                <a:latin typeface="Courier"/>
+              </a:rPr>
+              <a:t>)</a:t>
             </a:r>
           </a:p>
         </p:txBody>
@@ -5107,7 +5085,7 @@
             </a:pPr>
             <a:r>
               <a:rPr/>
-              <a:t>Interactive demo</a:t>
+              <a:t>Document generation (Quarto or Rmd)</a:t>
             </a:r>
           </a:p>
         </p:txBody>
@@ -5127,18 +5105,65 @@
           <a:bodyPr/>
           <a:lstStyle/>
           <a:p>
+            <a:pPr lvl="0"/>
+            <a:r>
+              <a:rPr/>
+              <a:t>Easily integrate pipeline output into a </a:t>
+            </a:r>
+            <a:r>
+              <a:rPr>
+                <a:latin typeface="Courier"/>
+              </a:rPr>
+              <a:t>.qmd</a:t>
+            </a:r>
+            <a:r>
+              <a:rPr/>
+              <a:t>:</a:t>
+            </a:r>
+          </a:p>
+          <a:p>
             <a:pPr lvl="0" indent="0" marL="0">
               <a:buNone/>
             </a:pPr>
             <a:r>
               <a:rPr/>
-              <a:t>See </a:t>
-            </a:r>
-            <a:r>
-              <a:rPr>
-                <a:latin typeface="Courier"/>
-              </a:rPr>
-              <a:t>scripts/rixpress_demo</a:t>
+              <a:t>. . .</a:t>
+            </a:r>
+          </a:p>
+          <a:p>
+            <a:pPr lvl="0" indent="0">
+              <a:buNone/>
+            </a:pPr>
+            <a:r>
+              <a:rPr>
+                <a:latin typeface="Courier"/>
+              </a:rPr>
+              <a:t>```r
+rixpress::rxp_read("mtcars_head")
+```</a:t>
+            </a:r>
+          </a:p>
+          <a:p>
+            <a:pPr lvl="0" indent="0" marL="0">
+              <a:buNone/>
+            </a:pPr>
+            <a:r>
+              <a:rPr/>
+              <a:t>. . .</a:t>
+            </a:r>
+          </a:p>
+          <a:p>
+            <a:pPr lvl="0"/>
+            <a:r>
+              <a:rPr/>
+              <a:t>All created objects can be dynamically loaded in the document</a:t>
+            </a:r>
+          </a:p>
+          <a:p>
+            <a:pPr lvl="0"/>
+            <a:r>
+              <a:rPr/>
+              <a:t>You can pass additional files (content.qmd, images…)</a:t>
             </a:r>
           </a:p>
         </p:txBody>
@@ -5257,7 +5282,7 @@
             </a:pPr>
             <a:r>
               <a:rPr/>
-              <a:t>To learn more</a:t>
+              <a:t>Interactive demo</a:t>
             </a:r>
           </a:p>
         </p:txBody>
@@ -5277,30 +5302,18 @@
           <a:bodyPr/>
           <a:lstStyle/>
           <a:p>
-            <a:pPr lvl="0"/>
-            <a:r>
-              <a:rPr>
-                <a:hlinkClick r:id="rId2"/>
-              </a:rPr>
-              <a:t>Repository GitHub</a:t>
-            </a:r>
-          </a:p>
-          <a:p>
-            <a:pPr lvl="0"/>
-            <a:r>
-              <a:rPr>
-                <a:hlinkClick r:id="rId3"/>
-              </a:rPr>
-              <a:t>Website</a:t>
-            </a:r>
-          </a:p>
-          <a:p>
-            <a:pPr lvl="0"/>
-            <a:r>
-              <a:rPr>
-                <a:hlinkClick r:id="rId4"/>
-              </a:rPr>
-              <a:t>rixpress examples repository</a:t>
+            <a:pPr lvl="0" indent="0" marL="0">
+              <a:buNone/>
+            </a:pPr>
+            <a:r>
+              <a:rPr/>
+              <a:t>See </a:t>
+            </a:r>
+            <a:r>
+              <a:rPr>
+                <a:latin typeface="Courier"/>
+              </a:rPr>
+              <a:t>scripts/rixpress_demo</a:t>
             </a:r>
           </a:p>
         </p:txBody>
@@ -5311,6 +5324,96 @@
 </file>
 
 <file path=ppt/slides/slide21.xml><?xml version="1.0" encoding="utf-8"?>
+<p:sld xmlns:a="http://schemas.openxmlformats.org/drawingml/2006/main" xmlns:r="http://schemas.openxmlformats.org/officeDocument/2006/relationships" xmlns:p="http://schemas.openxmlformats.org/presentationml/2006/main">
+  <p:cSld>
+    <p:spTree>
+      <p:nvGrpSpPr>
+        <p:cNvPr id="1" name=""/>
+        <p:cNvGrpSpPr/>
+        <p:nvPr/>
+      </p:nvGrpSpPr>
+      <p:grpSpPr>
+        <a:xfrm>
+          <a:off x="0" y="0"/>
+          <a:ext cx="0" cy="0"/>
+          <a:chOff x="0" y="0"/>
+          <a:chExt cx="0" cy="0"/>
+        </a:xfrm>
+      </p:grpSpPr>
+      <p:sp>
+        <p:nvSpPr>
+          <p:cNvPr id="2" name="Title 1"/>
+          <p:cNvSpPr>
+            <a:spLocks noGrp="1"/>
+          </p:cNvSpPr>
+          <p:nvPr>
+            <p:ph type="title"/>
+          </p:nvPr>
+        </p:nvSpPr>
+        <p:spPr/>
+        <p:txBody>
+          <a:bodyPr/>
+          <a:lstStyle/>
+          <a:p>
+            <a:pPr lvl="0" indent="0" marL="0">
+              <a:buNone/>
+            </a:pPr>
+            <a:r>
+              <a:rPr/>
+              <a:t>To learn more</a:t>
+            </a:r>
+          </a:p>
+        </p:txBody>
+      </p:sp>
+      <p:sp>
+        <p:nvSpPr>
+          <p:cNvPr id="3" name="Content Placeholder 2"/>
+          <p:cNvSpPr>
+            <a:spLocks noGrp="1"/>
+          </p:cNvSpPr>
+          <p:nvPr>
+            <p:ph idx="1"/>
+          </p:nvPr>
+        </p:nvSpPr>
+        <p:spPr/>
+        <p:txBody>
+          <a:bodyPr/>
+          <a:lstStyle/>
+          <a:p>
+            <a:pPr lvl="0"/>
+            <a:r>
+              <a:rPr>
+                <a:hlinkClick r:id="rId2"/>
+              </a:rPr>
+              <a:t>Repository GitHub</a:t>
+            </a:r>
+          </a:p>
+          <a:p>
+            <a:pPr lvl="0"/>
+            <a:r>
+              <a:rPr>
+                <a:hlinkClick r:id="rId3"/>
+              </a:rPr>
+              <a:t>Website</a:t>
+            </a:r>
+          </a:p>
+          <a:p>
+            <a:pPr lvl="0"/>
+            <a:r>
+              <a:rPr>
+                <a:hlinkClick r:id="rId4"/>
+              </a:rPr>
+              <a:t>rixpress examples repository</a:t>
+            </a:r>
+          </a:p>
+        </p:txBody>
+      </p:sp>
+    </p:spTree>
+  </p:cSld>
+</p:sld>
+</file>
+
+<file path=ppt/slides/slide22.xml><?xml version="1.0" encoding="utf-8"?>
 <p:sld xmlns:a="http://schemas.openxmlformats.org/drawingml/2006/main" xmlns:r="http://schemas.openxmlformats.org/officeDocument/2006/relationships" xmlns:p="http://schemas.openxmlformats.org/presentationml/2006/main">
   <p:cSld>
     <p:spTree>

--- a/docs/index.pptx
+++ b/docs/index.pptx
@@ -3862,6 +3862,15 @@
             <a:r>
               <a:rPr/>
               <a:t>Test tools, or bootstrap an environment using</a:t>
+            </a:r>
+          </a:p>
+          <a:p>
+            <a:pPr lvl="0" indent="0" marL="0">
+              <a:buNone/>
+            </a:pPr>
+            <a:r>
+              <a:rPr/>
+              <a:t>. . .</a:t>
             </a:r>
           </a:p>
           <a:p>
